--- a/项目经验/转正报告.pptx
+++ b/项目经验/转正报告.pptx
@@ -5,17 +5,18 @@
     <p:sldMasterId id="2147483888" r:id="rId1"/>
   </p:sldMasterIdLst>
   <p:notesMasterIdLst>
-    <p:notesMasterId r:id="rId10"/>
+    <p:notesMasterId r:id="rId11"/>
   </p:notesMasterIdLst>
   <p:sldIdLst>
     <p:sldId id="256" r:id="rId2"/>
     <p:sldId id="257" r:id="rId3"/>
     <p:sldId id="258" r:id="rId4"/>
-    <p:sldId id="259" r:id="rId5"/>
-    <p:sldId id="260" r:id="rId6"/>
-    <p:sldId id="261" r:id="rId7"/>
-    <p:sldId id="262" r:id="rId8"/>
-    <p:sldId id="263" r:id="rId9"/>
+    <p:sldId id="265" r:id="rId5"/>
+    <p:sldId id="266" r:id="rId6"/>
+    <p:sldId id="267" r:id="rId7"/>
+    <p:sldId id="264" r:id="rId8"/>
+    <p:sldId id="259" r:id="rId9"/>
+    <p:sldId id="263" r:id="rId10"/>
   </p:sldIdLst>
   <p:sldSz cx="12192000" cy="6858000"/>
   <p:notesSz cx="6858000" cy="9144000"/>
@@ -204,7 +205,7 @@
           <a:p>
             <a:fld id="{66E26B0A-0A22-4A95-B9FE-29CE8D6F440A}" type="datetimeFigureOut">
               <a:rPr lang="zh-CN" altLang="en-US" smtClean="0"/>
-              <a:t>2017/5/27</a:t>
+              <a:t>2017/5/31</a:t>
             </a:fld>
             <a:endParaRPr lang="zh-CN" altLang="en-US"/>
           </a:p>
@@ -472,94 +473,6 @@
 </p:notesMaster>
 </file>
 
-<file path=ppt/notesSlides/notesSlide1.xml><?xml version="1.0" encoding="utf-8"?>
-<p:notes xmlns:a="http://schemas.openxmlformats.org/drawingml/2006/main" xmlns:r="http://schemas.openxmlformats.org/officeDocument/2006/relationships" xmlns:p="http://schemas.openxmlformats.org/presentationml/2006/main">
-  <p:cSld>
-    <p:spTree>
-      <p:nvGrpSpPr>
-        <p:cNvPr id="1" name=""/>
-        <p:cNvGrpSpPr/>
-        <p:nvPr/>
-      </p:nvGrpSpPr>
-      <p:grpSpPr>
-        <a:xfrm>
-          <a:off x="0" y="0"/>
-          <a:ext cx="0" cy="0"/>
-          <a:chOff x="0" y="0"/>
-          <a:chExt cx="0" cy="0"/>
-        </a:xfrm>
-      </p:grpSpPr>
-      <p:sp>
-        <p:nvSpPr>
-          <p:cNvPr id="2" name="幻灯片图像占位符 1"/>
-          <p:cNvSpPr>
-            <a:spLocks noGrp="1" noRot="1" noChangeAspect="1"/>
-          </p:cNvSpPr>
-          <p:nvPr>
-            <p:ph type="sldImg"/>
-          </p:nvPr>
-        </p:nvSpPr>
-        <p:spPr/>
-      </p:sp>
-      <p:sp>
-        <p:nvSpPr>
-          <p:cNvPr id="3" name="备注占位符 2"/>
-          <p:cNvSpPr>
-            <a:spLocks noGrp="1"/>
-          </p:cNvSpPr>
-          <p:nvPr>
-            <p:ph type="body" idx="1"/>
-          </p:nvPr>
-        </p:nvSpPr>
-        <p:spPr/>
-        <p:txBody>
-          <a:bodyPr/>
-          <a:lstStyle/>
-          <a:p>
-            <a:r>
-              <a:rPr lang="zh-CN" altLang="en-US" dirty="0" smtClean="0"/>
-              <a:t>无规矩不成方圆</a:t>
-            </a:r>
-            <a:endParaRPr lang="zh-CN" altLang="en-US" dirty="0"/>
-          </a:p>
-        </p:txBody>
-      </p:sp>
-      <p:sp>
-        <p:nvSpPr>
-          <p:cNvPr id="4" name="灯片编号占位符 3"/>
-          <p:cNvSpPr>
-            <a:spLocks noGrp="1"/>
-          </p:cNvSpPr>
-          <p:nvPr>
-            <p:ph type="sldNum" sz="quarter" idx="10"/>
-          </p:nvPr>
-        </p:nvSpPr>
-        <p:spPr/>
-        <p:txBody>
-          <a:bodyPr/>
-          <a:lstStyle/>
-          <a:p>
-            <a:fld id="{EBF1F6E6-D816-4276-8D1E-D0648D60C1B3}" type="slidenum">
-              <a:rPr lang="zh-CN" altLang="en-US" smtClean="0"/>
-              <a:t>7</a:t>
-            </a:fld>
-            <a:endParaRPr lang="zh-CN" altLang="en-US"/>
-          </a:p>
-        </p:txBody>
-      </p:sp>
-    </p:spTree>
-    <p:extLst>
-      <p:ext uri="{BB962C8B-B14F-4D97-AF65-F5344CB8AC3E}">
-        <p14:creationId xmlns:p14="http://schemas.microsoft.com/office/powerpoint/2010/main" val="4228188133"/>
-      </p:ext>
-    </p:extLst>
-  </p:cSld>
-  <p:clrMapOvr>
-    <a:masterClrMapping/>
-  </p:clrMapOvr>
-</p:notes>
-</file>
-
 <file path=ppt/slideLayouts/slideLayout1.xml><?xml version="1.0" encoding="utf-8"?>
 <p:sldLayout xmlns:a="http://schemas.openxmlformats.org/drawingml/2006/main" xmlns:r="http://schemas.openxmlformats.org/officeDocument/2006/relationships" xmlns:p="http://schemas.openxmlformats.org/presentationml/2006/main" type="title" preserve="1">
   <p:cSld name="标题幻灯片">
@@ -743,7 +656,7 @@
           <a:p>
             <a:fld id="{510B5284-D67B-425E-A3D2-F73E5955C147}" type="datetimeFigureOut">
               <a:rPr lang="zh-CN" altLang="en-US" smtClean="0"/>
-              <a:t>2017/5/27</a:t>
+              <a:t>2017/5/31</a:t>
             </a:fld>
             <a:endParaRPr lang="zh-CN" altLang="en-US"/>
           </a:p>
@@ -1018,7 +931,7 @@
           <a:p>
             <a:fld id="{510B5284-D67B-425E-A3D2-F73E5955C147}" type="datetimeFigureOut">
               <a:rPr lang="zh-CN" altLang="en-US" smtClean="0"/>
-              <a:t>2017/5/27</a:t>
+              <a:t>2017/5/31</a:t>
             </a:fld>
             <a:endParaRPr lang="zh-CN" altLang="en-US"/>
           </a:p>
@@ -1212,7 +1125,7 @@
           <a:p>
             <a:fld id="{510B5284-D67B-425E-A3D2-F73E5955C147}" type="datetimeFigureOut">
               <a:rPr lang="zh-CN" altLang="en-US" smtClean="0"/>
-              <a:t>2017/5/27</a:t>
+              <a:t>2017/5/31</a:t>
             </a:fld>
             <a:endParaRPr lang="zh-CN" altLang="en-US"/>
           </a:p>
@@ -1480,7 +1393,7 @@
           <a:p>
             <a:fld id="{510B5284-D67B-425E-A3D2-F73E5955C147}" type="datetimeFigureOut">
               <a:rPr lang="zh-CN" altLang="en-US" smtClean="0"/>
-              <a:t>2017/5/27</a:t>
+              <a:t>2017/5/31</a:t>
             </a:fld>
             <a:endParaRPr lang="zh-CN" altLang="en-US"/>
           </a:p>
@@ -1812,7 +1725,7 @@
           <a:p>
             <a:fld id="{510B5284-D67B-425E-A3D2-F73E5955C147}" type="datetimeFigureOut">
               <a:rPr lang="zh-CN" altLang="en-US" smtClean="0"/>
-              <a:t>2017/5/27</a:t>
+              <a:t>2017/5/31</a:t>
             </a:fld>
             <a:endParaRPr lang="zh-CN" altLang="en-US"/>
           </a:p>
@@ -2422,7 +2335,7 @@
           <a:p>
             <a:fld id="{510B5284-D67B-425E-A3D2-F73E5955C147}" type="datetimeFigureOut">
               <a:rPr lang="zh-CN" altLang="en-US" smtClean="0"/>
-              <a:t>2017/5/27</a:t>
+              <a:t>2017/5/31</a:t>
             </a:fld>
             <a:endParaRPr lang="zh-CN" altLang="en-US"/>
           </a:p>
@@ -3269,7 +3182,7 @@
           <a:p>
             <a:fld id="{510B5284-D67B-425E-A3D2-F73E5955C147}" type="datetimeFigureOut">
               <a:rPr lang="zh-CN" altLang="en-US" smtClean="0"/>
-              <a:t>2017/5/27</a:t>
+              <a:t>2017/5/31</a:t>
             </a:fld>
             <a:endParaRPr lang="zh-CN" altLang="en-US"/>
           </a:p>
@@ -3439,7 +3352,7 @@
           <a:p>
             <a:fld id="{510B5284-D67B-425E-A3D2-F73E5955C147}" type="datetimeFigureOut">
               <a:rPr lang="zh-CN" altLang="en-US" smtClean="0"/>
-              <a:t>2017/5/27</a:t>
+              <a:t>2017/5/31</a:t>
             </a:fld>
             <a:endParaRPr lang="zh-CN" altLang="en-US"/>
           </a:p>
@@ -3619,7 +3532,7 @@
           <a:p>
             <a:fld id="{510B5284-D67B-425E-A3D2-F73E5955C147}" type="datetimeFigureOut">
               <a:rPr lang="zh-CN" altLang="en-US" smtClean="0"/>
-              <a:t>2017/5/27</a:t>
+              <a:t>2017/5/31</a:t>
             </a:fld>
             <a:endParaRPr lang="zh-CN" altLang="en-US"/>
           </a:p>
@@ -3789,7 +3702,7 @@
           <a:p>
             <a:fld id="{510B5284-D67B-425E-A3D2-F73E5955C147}" type="datetimeFigureOut">
               <a:rPr lang="zh-CN" altLang="en-US" smtClean="0"/>
-              <a:t>2017/5/27</a:t>
+              <a:t>2017/5/31</a:t>
             </a:fld>
             <a:endParaRPr lang="zh-CN" altLang="en-US"/>
           </a:p>
@@ -4033,7 +3946,7 @@
           <a:p>
             <a:fld id="{510B5284-D67B-425E-A3D2-F73E5955C147}" type="datetimeFigureOut">
               <a:rPr lang="zh-CN" altLang="en-US" smtClean="0"/>
-              <a:t>2017/5/27</a:t>
+              <a:t>2017/5/31</a:t>
             </a:fld>
             <a:endParaRPr lang="zh-CN" altLang="en-US"/>
           </a:p>
@@ -4325,7 +4238,7 @@
           <a:p>
             <a:fld id="{510B5284-D67B-425E-A3D2-F73E5955C147}" type="datetimeFigureOut">
               <a:rPr lang="zh-CN" altLang="en-US" smtClean="0"/>
-              <a:t>2017/5/27</a:t>
+              <a:t>2017/5/31</a:t>
             </a:fld>
             <a:endParaRPr lang="zh-CN" altLang="en-US"/>
           </a:p>
@@ -4763,7 +4676,7 @@
           <a:p>
             <a:fld id="{510B5284-D67B-425E-A3D2-F73E5955C147}" type="datetimeFigureOut">
               <a:rPr lang="zh-CN" altLang="en-US" smtClean="0"/>
-              <a:t>2017/5/27</a:t>
+              <a:t>2017/5/31</a:t>
             </a:fld>
             <a:endParaRPr lang="zh-CN" altLang="en-US"/>
           </a:p>
@@ -4881,7 +4794,7 @@
           <a:p>
             <a:fld id="{510B5284-D67B-425E-A3D2-F73E5955C147}" type="datetimeFigureOut">
               <a:rPr lang="zh-CN" altLang="en-US" smtClean="0"/>
-              <a:t>2017/5/27</a:t>
+              <a:t>2017/5/31</a:t>
             </a:fld>
             <a:endParaRPr lang="zh-CN" altLang="en-US"/>
           </a:p>
@@ -4976,7 +4889,7 @@
           <a:p>
             <a:fld id="{510B5284-D67B-425E-A3D2-F73E5955C147}" type="datetimeFigureOut">
               <a:rPr lang="zh-CN" altLang="en-US" smtClean="0"/>
-              <a:t>2017/5/27</a:t>
+              <a:t>2017/5/31</a:t>
             </a:fld>
             <a:endParaRPr lang="zh-CN" altLang="en-US"/>
           </a:p>
@@ -5255,7 +5168,7 @@
           <a:p>
             <a:fld id="{510B5284-D67B-425E-A3D2-F73E5955C147}" type="datetimeFigureOut">
               <a:rPr lang="zh-CN" altLang="en-US" smtClean="0"/>
-              <a:t>2017/5/27</a:t>
+              <a:t>2017/5/31</a:t>
             </a:fld>
             <a:endParaRPr lang="zh-CN" altLang="en-US"/>
           </a:p>
@@ -5530,7 +5443,7 @@
           <a:p>
             <a:fld id="{510B5284-D67B-425E-A3D2-F73E5955C147}" type="datetimeFigureOut">
               <a:rPr lang="zh-CN" altLang="en-US" smtClean="0"/>
-              <a:t>2017/5/27</a:t>
+              <a:t>2017/5/31</a:t>
             </a:fld>
             <a:endParaRPr lang="zh-CN" altLang="en-US"/>
           </a:p>
@@ -5959,7 +5872,7 @@
           <a:p>
             <a:fld id="{510B5284-D67B-425E-A3D2-F73E5955C147}" type="datetimeFigureOut">
               <a:rPr lang="zh-CN" altLang="en-US" smtClean="0"/>
-              <a:t>2017/5/27</a:t>
+              <a:t>2017/5/31</a:t>
             </a:fld>
             <a:endParaRPr lang="zh-CN" altLang="en-US"/>
           </a:p>
@@ -6538,7 +6451,7 @@
                 <a:ea typeface="华文楷体" panose="02010600040101010101" pitchFamily="2" charset="-122"/>
               </a:rPr>
               <a:pPr algn="r"/>
-              <a:t>2017年5月27日</a:t>
+              <a:t>2017年5月31日</a:t>
             </a:fld>
             <a:endParaRPr lang="zh-CN" altLang="en-US" dirty="0">
               <a:latin typeface="华文楷体" panose="02010600040101010101" pitchFamily="2" charset="-122"/>
@@ -6643,8 +6556,8 @@
           </a:p>
           <a:p>
             <a:r>
-              <a:rPr lang="zh-CN" altLang="en-US" sz="2800" dirty="0" smtClean="0"/>
-              <a:t>一点想法</a:t>
+              <a:rPr lang="zh-CN" altLang="en-US" sz="2800" dirty="0"/>
+              <a:t>工作计划</a:t>
             </a:r>
             <a:endParaRPr lang="en-US" altLang="zh-CN" sz="2800" dirty="0" smtClean="0"/>
           </a:p>
@@ -6709,10 +6622,6 @@
               </a:rPr>
               <a:t>工作轨迹</a:t>
             </a:r>
-            <a:endParaRPr lang="zh-CN" altLang="en-US" dirty="0">
-              <a:latin typeface="华文楷体" panose="02010600040101010101" pitchFamily="2" charset="-122"/>
-              <a:ea typeface="华文楷体" panose="02010600040101010101" pitchFamily="2" charset="-122"/>
-            </a:endParaRPr>
           </a:p>
         </p:txBody>
       </p:sp>
@@ -6882,13 +6791,10 @@
             </a:pPr>
             <a:r>
               <a:rPr kumimoji="1" lang="zh-CN" altLang="en-US" sz="1400" dirty="0" smtClean="0">
-                <a:solidFill>
-                  <a:srgbClr val="000204"/>
-                </a:solidFill>
                 <a:latin typeface="微软雅黑" pitchFamily="34" charset="-122"/>
                 <a:ea typeface="微软雅黑" pitchFamily="34" charset="-122"/>
               </a:rPr>
-              <a:t>根据公司目标参与讨论、制作阶段性方案及提供</a:t>
+              <a:t>根据需求开发云平台功能</a:t>
             </a:r>
           </a:p>
           <a:p>
@@ -6901,14 +6807,29 @@
             </a:pPr>
             <a:r>
               <a:rPr kumimoji="1" lang="zh-CN" altLang="en-US" sz="1400" dirty="0" smtClean="0">
-                <a:solidFill>
-                  <a:srgbClr val="000204"/>
-                </a:solidFill>
                 <a:latin typeface="微软雅黑" pitchFamily="34" charset="-122"/>
                 <a:ea typeface="微软雅黑" pitchFamily="34" charset="-122"/>
               </a:rPr>
-              <a:t>协助公司领导对现有城市进行进一步市场调查与跟</a:t>
-            </a:r>
+              <a:t>编写测试用例、搭建测试环境，与手机</a:t>
+            </a:r>
+            <a:r>
+              <a:rPr kumimoji="1" lang="en-US" altLang="zh-CN" sz="1400" dirty="0" smtClean="0">
+                <a:latin typeface="微软雅黑" pitchFamily="34" charset="-122"/>
+                <a:ea typeface="微软雅黑" pitchFamily="34" charset="-122"/>
+              </a:rPr>
+              <a:t>app</a:t>
+            </a:r>
+            <a:r>
+              <a:rPr kumimoji="1" lang="zh-CN" altLang="en-US" sz="1400" dirty="0" smtClean="0">
+                <a:latin typeface="微软雅黑" pitchFamily="34" charset="-122"/>
+                <a:ea typeface="微软雅黑" pitchFamily="34" charset="-122"/>
+              </a:rPr>
+              <a:t>对接</a:t>
+            </a:r>
+            <a:endParaRPr kumimoji="1" lang="en-US" altLang="zh-CN" sz="1400" dirty="0" smtClean="0">
+              <a:latin typeface="微软雅黑" pitchFamily="34" charset="-122"/>
+              <a:ea typeface="微软雅黑" pitchFamily="34" charset="-122"/>
+            </a:endParaRPr>
           </a:p>
           <a:p>
             <a:pPr indent="381000">
@@ -6920,18 +6841,12 @@
             </a:pPr>
             <a:r>
               <a:rPr kumimoji="1" lang="zh-CN" altLang="en-US" sz="1400" dirty="0" smtClean="0">
-                <a:solidFill>
-                  <a:srgbClr val="000204"/>
-                </a:solidFill>
                 <a:latin typeface="微软雅黑" pitchFamily="34" charset="-122"/>
                 <a:ea typeface="微软雅黑" pitchFamily="34" charset="-122"/>
               </a:rPr>
-              <a:t>搜集各城市相关出租车行业、广告公司等资料</a:t>
-            </a:r>
-            <a:endParaRPr kumimoji="1" lang="zh-CN" altLang="en-US" sz="1400" dirty="0">
-              <a:solidFill>
-                <a:srgbClr val="000204"/>
-              </a:solidFill>
+              <a:t>需求的沟通、确认，细节的优化等。</a:t>
+            </a:r>
+            <a:endParaRPr kumimoji="1" lang="en-US" altLang="zh-CN" sz="1400" dirty="0" smtClean="0">
               <a:latin typeface="微软雅黑" pitchFamily="34" charset="-122"/>
               <a:ea typeface="微软雅黑" pitchFamily="34" charset="-122"/>
             </a:endParaRPr>
@@ -7123,29 +7038,54 @@
               <a:buChar char="•"/>
             </a:pPr>
             <a:r>
-              <a:rPr kumimoji="1" lang="zh-CN" altLang="en-US" sz="1400" dirty="0" smtClean="0">
-                <a:solidFill>
-                  <a:srgbClr val="000204"/>
-                </a:solidFill>
+              <a:rPr kumimoji="1" lang="zh-CN" altLang="en-US" sz="1400" dirty="0">
                 <a:latin typeface="微软雅黑" pitchFamily="34" charset="-122"/>
                 <a:ea typeface="微软雅黑" pitchFamily="34" charset="-122"/>
               </a:rPr>
-              <a:t>参与</a:t>
-            </a:r>
-            <a:r>
-              <a:rPr kumimoji="1" lang="zh-CN" altLang="en-US" sz="1400" dirty="0" smtClean="0">
-                <a:solidFill>
-                  <a:srgbClr val="000204"/>
-                </a:solidFill>
+              <a:t>开发</a:t>
+            </a:r>
+            <a:r>
+              <a:rPr kumimoji="1" lang="en-US" altLang="zh-CN" sz="1400" dirty="0">
                 <a:latin typeface="微软雅黑" pitchFamily="34" charset="-122"/>
                 <a:ea typeface="微软雅黑" pitchFamily="34" charset="-122"/>
               </a:rPr>
-              <a:t>讨论、研究项目下一步发展走向</a:t>
+              <a:t>V3</a:t>
+            </a:r>
+            <a:r>
+              <a:rPr kumimoji="1" lang="zh-CN" altLang="en-US" sz="1400" dirty="0">
+                <a:latin typeface="微软雅黑" pitchFamily="34" charset="-122"/>
+                <a:ea typeface="微软雅黑" pitchFamily="34" charset="-122"/>
+              </a:rPr>
+              <a:t>版本</a:t>
+            </a:r>
+            <a:r>
+              <a:rPr kumimoji="1" lang="zh-CN" altLang="en-US" sz="1400" dirty="0" smtClean="0">
+                <a:latin typeface="微软雅黑" pitchFamily="34" charset="-122"/>
+                <a:ea typeface="微软雅黑" pitchFamily="34" charset="-122"/>
+              </a:rPr>
+              <a:t>功能，熟悉开发模式</a:t>
+            </a:r>
+            <a:endParaRPr kumimoji="1" lang="en-US" altLang="zh-CN" sz="1400" dirty="0" smtClean="0">
+              <a:latin typeface="微软雅黑" pitchFamily="34" charset="-122"/>
+              <a:ea typeface="微软雅黑" pitchFamily="34" charset="-122"/>
+            </a:endParaRPr>
+          </a:p>
+          <a:p>
+            <a:pPr marL="285750" indent="-285750">
+              <a:spcBef>
+                <a:spcPct val="50000"/>
+              </a:spcBef>
+              <a:buFont typeface="Arial" panose="020B0604020202020204" pitchFamily="34" charset="0"/>
+              <a:buChar char="•"/>
+            </a:pPr>
+            <a:r>
+              <a:rPr kumimoji="1" lang="zh-CN" altLang="en-US" sz="1400" dirty="0" smtClean="0">
+                <a:latin typeface="微软雅黑" pitchFamily="34" charset="-122"/>
+                <a:ea typeface="微软雅黑" pitchFamily="34" charset="-122"/>
+              </a:rPr>
+              <a:t>熟悉云平台架构</a:t>
             </a:r>
             <a:endParaRPr kumimoji="1" lang="zh-CN" altLang="en-US" sz="1400" dirty="0">
-              <a:solidFill>
-                <a:srgbClr val="000204"/>
-              </a:solidFill>
               <a:latin typeface="微软雅黑" pitchFamily="34" charset="-122"/>
               <a:ea typeface="微软雅黑" pitchFamily="34" charset="-122"/>
             </a:endParaRPr>
@@ -7318,13 +7258,10 @@
             </a:pPr>
             <a:r>
               <a:rPr kumimoji="1" lang="zh-CN" altLang="en-US" sz="1400" dirty="0" smtClean="0">
-                <a:solidFill>
-                  <a:srgbClr val="000204"/>
-                </a:solidFill>
                 <a:latin typeface="微软雅黑" pitchFamily="34" charset="-122"/>
                 <a:ea typeface="微软雅黑" pitchFamily="34" charset="-122"/>
               </a:rPr>
-              <a:t>独立对各城市进行市场信息相关调查以及对政府、广告公司的初期拜访、洽谈</a:t>
+              <a:t>开发新需求接口，如用户查询等</a:t>
             </a:r>
           </a:p>
           <a:p>
@@ -7337,18 +7274,67 @@
             </a:pPr>
             <a:r>
               <a:rPr kumimoji="1" lang="zh-CN" altLang="en-US" sz="1400" dirty="0" smtClean="0">
-                <a:solidFill>
-                  <a:srgbClr val="000204"/>
-                </a:solidFill>
                 <a:latin typeface="微软雅黑" pitchFamily="34" charset="-122"/>
                 <a:ea typeface="微软雅黑" pitchFamily="34" charset="-122"/>
               </a:rPr>
-              <a:t>配合部门主任进行出租车司机的发展以及广告代理公司的洽谈</a:t>
+              <a:t>与手机</a:t>
+            </a:r>
+            <a:r>
+              <a:rPr kumimoji="1" lang="en-US" altLang="zh-CN" sz="1400" dirty="0" smtClean="0">
+                <a:latin typeface="微软雅黑" pitchFamily="34" charset="-122"/>
+                <a:ea typeface="微软雅黑" pitchFamily="34" charset="-122"/>
+              </a:rPr>
+              <a:t>app</a:t>
+            </a:r>
+            <a:r>
+              <a:rPr kumimoji="1" lang="zh-CN" altLang="en-US" sz="1400" dirty="0" smtClean="0">
+                <a:latin typeface="微软雅黑" pitchFamily="34" charset="-122"/>
+                <a:ea typeface="微软雅黑" pitchFamily="34" charset="-122"/>
+              </a:rPr>
+              <a:t>、客户端对接调试，</a:t>
+            </a:r>
+            <a:r>
+              <a:rPr kumimoji="1" lang="en-US" altLang="zh-CN" sz="1400" dirty="0" smtClean="0">
+                <a:latin typeface="微软雅黑" pitchFamily="34" charset="-122"/>
+                <a:ea typeface="微软雅黑" pitchFamily="34" charset="-122"/>
+              </a:rPr>
+              <a:t>bug</a:t>
+            </a:r>
+            <a:r>
+              <a:rPr kumimoji="1" lang="zh-CN" altLang="en-US" sz="1400" dirty="0" smtClean="0">
+                <a:latin typeface="微软雅黑" pitchFamily="34" charset="-122"/>
+                <a:ea typeface="微软雅黑" pitchFamily="34" charset="-122"/>
+              </a:rPr>
+              <a:t>定位及修复</a:t>
+            </a:r>
+            <a:endParaRPr kumimoji="1" lang="en-US" altLang="zh-CN" sz="1400" dirty="0" smtClean="0">
+              <a:latin typeface="微软雅黑" pitchFamily="34" charset="-122"/>
+              <a:ea typeface="微软雅黑" pitchFamily="34" charset="-122"/>
+            </a:endParaRPr>
+          </a:p>
+          <a:p>
+            <a:pPr indent="381000">
+              <a:spcBef>
+                <a:spcPct val="50000"/>
+              </a:spcBef>
+              <a:buFontTx/>
+              <a:buChar char="•"/>
+            </a:pPr>
+            <a:r>
+              <a:rPr kumimoji="1" lang="zh-CN" altLang="en-US" sz="1400" dirty="0">
+                <a:latin typeface="微软雅黑" pitchFamily="34" charset="-122"/>
+                <a:ea typeface="微软雅黑" pitchFamily="34" charset="-122"/>
+              </a:rPr>
+              <a:t>云</a:t>
+            </a:r>
+            <a:r>
+              <a:rPr kumimoji="1" lang="zh-CN" altLang="en-US" sz="1400" dirty="0" smtClean="0">
+                <a:latin typeface="微软雅黑" pitchFamily="34" charset="-122"/>
+                <a:ea typeface="微软雅黑" pitchFamily="34" charset="-122"/>
+              </a:rPr>
+              <a:t>平台配置功能的完善及开发</a:t>
             </a:r>
             <a:endParaRPr kumimoji="1" lang="zh-CN" altLang="en-US" sz="1400" dirty="0">
-              <a:solidFill>
-                <a:srgbClr val="000204"/>
-              </a:solidFill>
               <a:latin typeface="微软雅黑" pitchFamily="34" charset="-122"/>
               <a:ea typeface="微软雅黑" pitchFamily="34" charset="-122"/>
             </a:endParaRPr>
@@ -13066,36 +13052,37 @@
               </a:rPr>
               <a:t>工作轨迹</a:t>
             </a:r>
-            <a:endParaRPr lang="zh-CN" altLang="en-US" dirty="0">
-              <a:latin typeface="华文楷体" panose="02010600040101010101" pitchFamily="2" charset="-122"/>
-              <a:ea typeface="华文楷体" panose="02010600040101010101" pitchFamily="2" charset="-122"/>
-            </a:endParaRPr>
           </a:p>
         </p:txBody>
       </p:sp>
-      <p:sp>
-        <p:nvSpPr>
-          <p:cNvPr id="3" name="内容占位符 2"/>
-          <p:cNvSpPr>
-            <a:spLocks noGrp="1"/>
-          </p:cNvSpPr>
-          <p:nvPr>
-            <p:ph idx="1"/>
-          </p:nvPr>
-        </p:nvSpPr>
-        <p:spPr/>
-        <p:txBody>
-          <a:bodyPr/>
-          <a:lstStyle/>
-          <a:p>
-            <a:endParaRPr lang="zh-CN" altLang="en-US"/>
-          </a:p>
-        </p:txBody>
-      </p:sp>
+      <p:pic>
+        <p:nvPicPr>
+          <p:cNvPr id="39" name="图片 38"/>
+          <p:cNvPicPr>
+            <a:picLocks noChangeAspect="1"/>
+          </p:cNvPicPr>
+          <p:nvPr/>
+        </p:nvPicPr>
+        <p:blipFill>
+          <a:blip r:embed="rId2"/>
+          <a:stretch>
+            <a:fillRect/>
+          </a:stretch>
+        </p:blipFill>
+        <p:spPr>
+          <a:xfrm>
+            <a:off x="783259" y="1060839"/>
+            <a:ext cx="10517905" cy="5919657"/>
+          </a:xfrm>
+          <a:prstGeom prst="rect">
+            <a:avLst/>
+          </a:prstGeom>
+        </p:spPr>
+      </p:pic>
     </p:spTree>
     <p:extLst>
       <p:ext uri="{BB962C8B-B14F-4D97-AF65-F5344CB8AC3E}">
-        <p14:creationId xmlns:p14="http://schemas.microsoft.com/office/powerpoint/2010/main" val="720908614"/>
+        <p14:creationId xmlns:p14="http://schemas.microsoft.com/office/powerpoint/2010/main" val="3820124659"/>
       </p:ext>
     </p:extLst>
   </p:cSld>
@@ -13151,42 +13138,50 @@
               </a:rPr>
               <a:t>工作轨迹</a:t>
             </a:r>
-            <a:endParaRPr lang="zh-CN" altLang="en-US" dirty="0">
-              <a:latin typeface="华文楷体" panose="02010600040101010101" pitchFamily="2" charset="-122"/>
-              <a:ea typeface="华文楷体" panose="02010600040101010101" pitchFamily="2" charset="-122"/>
-            </a:endParaRPr>
           </a:p>
         </p:txBody>
       </p:sp>
-      <p:sp>
-        <p:nvSpPr>
-          <p:cNvPr id="3" name="内容占位符 2"/>
-          <p:cNvSpPr>
-            <a:spLocks noGrp="1"/>
-          </p:cNvSpPr>
-          <p:nvPr>
-            <p:ph idx="1"/>
-          </p:nvPr>
-        </p:nvSpPr>
-        <p:spPr/>
-        <p:txBody>
-          <a:bodyPr/>
-          <a:lstStyle/>
-          <a:p>
-            <a:endParaRPr lang="zh-CN" altLang="en-US"/>
-          </a:p>
-        </p:txBody>
-      </p:sp>
+      <p:pic>
+        <p:nvPicPr>
+          <p:cNvPr id="4" name="图片 3"/>
+          <p:cNvPicPr>
+            <a:picLocks noChangeAspect="1"/>
+          </p:cNvPicPr>
+          <p:nvPr/>
+        </p:nvPicPr>
+        <p:blipFill>
+          <a:blip r:embed="rId2"/>
+          <a:stretch>
+            <a:fillRect/>
+          </a:stretch>
+        </p:blipFill>
+        <p:spPr>
+          <a:xfrm>
+            <a:off x="646111" y="1989956"/>
+            <a:ext cx="10507303" cy="3810341"/>
+          </a:xfrm>
+          <a:prstGeom prst="rect">
+            <a:avLst/>
+          </a:prstGeom>
+        </p:spPr>
+      </p:pic>
     </p:spTree>
     <p:extLst>
       <p:ext uri="{BB962C8B-B14F-4D97-AF65-F5344CB8AC3E}">
-        <p14:creationId xmlns:p14="http://schemas.microsoft.com/office/powerpoint/2010/main" val="2196824667"/>
+        <p14:creationId xmlns:p14="http://schemas.microsoft.com/office/powerpoint/2010/main" val="3851217241"/>
       </p:ext>
     </p:extLst>
   </p:cSld>
   <p:clrMapOvr>
     <a:masterClrMapping/>
   </p:clrMapOvr>
+  <p:timing>
+    <p:tnLst>
+      <p:par>
+        <p:cTn id="1" dur="indefinite" restart="never" nodeType="tmRoot"/>
+      </p:par>
+    </p:tnLst>
+  </p:timing>
 </p:sld>
 </file>
 
@@ -13229,36 +13224,67 @@
               </a:rPr>
               <a:t>工作轨迹</a:t>
             </a:r>
-            <a:endParaRPr lang="zh-CN" altLang="en-US" dirty="0">
-              <a:latin typeface="华文楷体" panose="02010600040101010101" pitchFamily="2" charset="-122"/>
-              <a:ea typeface="华文楷体" panose="02010600040101010101" pitchFamily="2" charset="-122"/>
-            </a:endParaRPr>
           </a:p>
         </p:txBody>
       </p:sp>
-      <p:sp>
-        <p:nvSpPr>
-          <p:cNvPr id="3" name="内容占位符 2"/>
-          <p:cNvSpPr>
-            <a:spLocks noGrp="1"/>
-          </p:cNvSpPr>
-          <p:nvPr>
-            <p:ph idx="1"/>
-          </p:nvPr>
-        </p:nvSpPr>
-        <p:spPr/>
-        <p:txBody>
-          <a:bodyPr/>
-          <a:lstStyle/>
-          <a:p>
-            <a:endParaRPr lang="zh-CN" altLang="en-US"/>
-          </a:p>
-        </p:txBody>
-      </p:sp>
+      <p:pic>
+        <p:nvPicPr>
+          <p:cNvPr id="3" name="图片 2"/>
+          <p:cNvPicPr>
+            <a:picLocks noChangeAspect="1"/>
+          </p:cNvPicPr>
+          <p:nvPr/>
+        </p:nvPicPr>
+        <p:blipFill>
+          <a:blip r:embed="rId2" cstate="print">
+            <a:extLst>
+              <a:ext uri="{28A0092B-C50C-407E-A947-70E740481C1C}">
+                <a14:useLocalDpi xmlns:a14="http://schemas.microsoft.com/office/drawing/2010/main" val="0"/>
+              </a:ext>
+            </a:extLst>
+          </a:blip>
+          <a:stretch>
+            <a:fillRect/>
+          </a:stretch>
+        </p:blipFill>
+        <p:spPr>
+          <a:xfrm>
+            <a:off x="9004448" y="1489159"/>
+            <a:ext cx="2929778" cy="5208494"/>
+          </a:xfrm>
+          <a:prstGeom prst="rect">
+            <a:avLst/>
+          </a:prstGeom>
+        </p:spPr>
+      </p:pic>
+      <p:pic>
+        <p:nvPicPr>
+          <p:cNvPr id="5" name="图片 4"/>
+          <p:cNvPicPr>
+            <a:picLocks noChangeAspect="1"/>
+          </p:cNvPicPr>
+          <p:nvPr/>
+        </p:nvPicPr>
+        <p:blipFill>
+          <a:blip r:embed="rId3"/>
+          <a:stretch>
+            <a:fillRect/>
+          </a:stretch>
+        </p:blipFill>
+        <p:spPr>
+          <a:xfrm>
+            <a:off x="0" y="1853248"/>
+            <a:ext cx="8767208" cy="3799341"/>
+          </a:xfrm>
+          <a:prstGeom prst="rect">
+            <a:avLst/>
+          </a:prstGeom>
+        </p:spPr>
+      </p:pic>
     </p:spTree>
     <p:extLst>
       <p:ext uri="{BB962C8B-B14F-4D97-AF65-F5344CB8AC3E}">
-        <p14:creationId xmlns:p14="http://schemas.microsoft.com/office/powerpoint/2010/main" val="880318329"/>
+        <p14:creationId xmlns:p14="http://schemas.microsoft.com/office/powerpoint/2010/main" val="1693579567"/>
       </p:ext>
     </p:extLst>
   </p:cSld>
@@ -13312,865 +13338,169 @@
                 <a:latin typeface="华文楷体" panose="02010600040101010101" pitchFamily="2" charset="-122"/>
                 <a:ea typeface="华文楷体" panose="02010600040101010101" pitchFamily="2" charset="-122"/>
               </a:rPr>
-              <a:t>建议与期望</a:t>
-            </a:r>
-            <a:endParaRPr lang="zh-CN" altLang="en-US" dirty="0">
-              <a:latin typeface="华文楷体" panose="02010600040101010101" pitchFamily="2" charset="-122"/>
-              <a:ea typeface="华文楷体" panose="02010600040101010101" pitchFamily="2" charset="-122"/>
-            </a:endParaRPr>
+              <a:t>工作</a:t>
+            </a:r>
+            <a:r>
+              <a:rPr lang="zh-CN" altLang="en-US" dirty="0">
+                <a:latin typeface="华文楷体" panose="02010600040101010101" pitchFamily="2" charset="-122"/>
+                <a:ea typeface="华文楷体" panose="02010600040101010101" pitchFamily="2" charset="-122"/>
+              </a:rPr>
+              <a:t>总结</a:t>
+            </a:r>
           </a:p>
         </p:txBody>
       </p:sp>
       <p:sp>
         <p:nvSpPr>
-          <p:cNvPr id="4" name="内容占位符 2"/>
+          <p:cNvPr id="3" name="内容占位符 2"/>
           <p:cNvSpPr>
             <a:spLocks noGrp="1"/>
           </p:cNvSpPr>
-          <p:nvPr/>
+          <p:nvPr>
+            <p:ph idx="1"/>
+          </p:nvPr>
         </p:nvSpPr>
-        <p:spPr>
-          <a:xfrm>
-            <a:off x="2813048" y="1567163"/>
-            <a:ext cx="4995863" cy="1081088"/>
-          </a:xfrm>
-          <a:prstGeom prst="rect">
-            <a:avLst/>
-          </a:prstGeom>
-        </p:spPr>
+        <p:spPr/>
         <p:txBody>
-          <a:bodyPr vert="horz" lIns="91440" tIns="45720" rIns="91440" bIns="45720" rtlCol="0">
+          <a:bodyPr>
             <a:normAutofit/>
           </a:bodyPr>
-          <a:lstStyle>
-            <a:lvl1pPr marL="228600" indent="-228600" algn="l" rtl="0" eaLnBrk="0" fontAlgn="base" hangingPunct="0">
-              <a:lnSpc>
-                <a:spcPct val="120000"/>
-              </a:lnSpc>
-              <a:spcBef>
-                <a:spcPts val="1000"/>
-              </a:spcBef>
-              <a:spcAft>
-                <a:spcPct val="0"/>
-              </a:spcAft>
-              <a:buClr>
-                <a:schemeClr val="tx1"/>
-              </a:buClr>
-              <a:buFont typeface="Arial" panose="020B0604020202020204" pitchFamily="34" charset="0"/>
-              <a:buChar char="•"/>
-              <a:defRPr sz="2000" kern="1200" cap="all">
-                <a:solidFill>
-                  <a:schemeClr val="tx1"/>
-                </a:solidFill>
-                <a:latin typeface="+mn-lt"/>
-                <a:ea typeface="+mn-ea"/>
-                <a:cs typeface="+mn-cs"/>
-              </a:defRPr>
-            </a:lvl1pPr>
-            <a:lvl2pPr marL="685800" indent="-228600" algn="l" rtl="0" eaLnBrk="0" fontAlgn="base" hangingPunct="0">
-              <a:lnSpc>
-                <a:spcPct val="120000"/>
-              </a:lnSpc>
-              <a:spcBef>
-                <a:spcPts val="500"/>
-              </a:spcBef>
-              <a:spcAft>
-                <a:spcPct val="0"/>
-              </a:spcAft>
-              <a:buClr>
-                <a:schemeClr val="tx1"/>
-              </a:buClr>
-              <a:buFont typeface="Arial" panose="020B0604020202020204" pitchFamily="34" charset="0"/>
-              <a:buChar char="•"/>
-              <a:defRPr kern="1200" cap="all">
-                <a:solidFill>
-                  <a:schemeClr val="tx1"/>
-                </a:solidFill>
-                <a:latin typeface="+mn-lt"/>
-                <a:ea typeface="+mn-ea"/>
-                <a:cs typeface="+mn-cs"/>
-              </a:defRPr>
-            </a:lvl2pPr>
-            <a:lvl3pPr marL="1143000" indent="-228600" algn="l" rtl="0" eaLnBrk="0" fontAlgn="base" hangingPunct="0">
-              <a:lnSpc>
-                <a:spcPct val="120000"/>
-              </a:lnSpc>
-              <a:spcBef>
-                <a:spcPts val="500"/>
-              </a:spcBef>
-              <a:spcAft>
-                <a:spcPct val="0"/>
-              </a:spcAft>
-              <a:buClr>
-                <a:schemeClr val="tx1"/>
-              </a:buClr>
-              <a:buFont typeface="Arial" panose="020B0604020202020204" pitchFamily="34" charset="0"/>
-              <a:buChar char="•"/>
-              <a:defRPr sz="1600" kern="1200" cap="all">
-                <a:solidFill>
-                  <a:schemeClr val="tx1"/>
-                </a:solidFill>
-                <a:latin typeface="+mn-lt"/>
-                <a:ea typeface="+mn-ea"/>
-                <a:cs typeface="+mn-cs"/>
-              </a:defRPr>
-            </a:lvl3pPr>
-            <a:lvl4pPr marL="1600200" indent="-228600" algn="l" rtl="0" eaLnBrk="0" fontAlgn="base" hangingPunct="0">
-              <a:lnSpc>
-                <a:spcPct val="120000"/>
-              </a:lnSpc>
-              <a:spcBef>
-                <a:spcPts val="500"/>
-              </a:spcBef>
-              <a:spcAft>
-                <a:spcPct val="0"/>
-              </a:spcAft>
-              <a:buClr>
-                <a:schemeClr val="tx1"/>
-              </a:buClr>
-              <a:buFont typeface="Arial" panose="020B0604020202020204" pitchFamily="34" charset="0"/>
-              <a:buChar char="•"/>
-              <a:defRPr sz="1400" kern="1200" cap="all">
-                <a:solidFill>
-                  <a:schemeClr val="tx1"/>
-                </a:solidFill>
-                <a:latin typeface="+mn-lt"/>
-                <a:ea typeface="+mn-ea"/>
-                <a:cs typeface="+mn-cs"/>
-              </a:defRPr>
-            </a:lvl4pPr>
-            <a:lvl5pPr marL="2057400" indent="-228600" algn="l" rtl="0" eaLnBrk="0" fontAlgn="base" hangingPunct="0">
-              <a:lnSpc>
-                <a:spcPct val="120000"/>
-              </a:lnSpc>
-              <a:spcBef>
-                <a:spcPts val="500"/>
-              </a:spcBef>
-              <a:spcAft>
-                <a:spcPct val="0"/>
-              </a:spcAft>
-              <a:buClr>
-                <a:schemeClr val="tx1"/>
-              </a:buClr>
-              <a:buFont typeface="Arial" panose="020B0604020202020204" pitchFamily="34" charset="0"/>
-              <a:buChar char="•"/>
-              <a:defRPr sz="1400" kern="1200" cap="all">
-                <a:solidFill>
-                  <a:schemeClr val="tx1"/>
-                </a:solidFill>
-                <a:latin typeface="+mn-lt"/>
-                <a:ea typeface="+mn-ea"/>
-                <a:cs typeface="+mn-cs"/>
-              </a:defRPr>
-            </a:lvl5pPr>
-            <a:lvl6pPr marL="2514600" indent="-228600" algn="l" defTabSz="914400" rtl="0" eaLnBrk="1" latinLnBrk="0" hangingPunct="1">
-              <a:lnSpc>
-                <a:spcPct val="120000"/>
-              </a:lnSpc>
-              <a:spcBef>
-                <a:spcPts val="500"/>
-              </a:spcBef>
-              <a:buClr>
-                <a:schemeClr val="tx1"/>
-              </a:buClr>
-              <a:buFont typeface="Arial" panose="020B0604020202020204" pitchFamily="34" charset="0"/>
-              <a:buChar char="•"/>
-              <a:defRPr sz="1400" kern="1200" cap="all" baseline="0">
-                <a:solidFill>
-                  <a:schemeClr val="tx1"/>
-                </a:solidFill>
-                <a:effectLst/>
-                <a:latin typeface="+mn-lt"/>
-                <a:ea typeface="+mn-ea"/>
-                <a:cs typeface="+mn-cs"/>
-              </a:defRPr>
-            </a:lvl6pPr>
-            <a:lvl7pPr marL="2971800" indent="-228600" algn="l" defTabSz="914400" rtl="0" eaLnBrk="1" latinLnBrk="0" hangingPunct="1">
-              <a:lnSpc>
-                <a:spcPct val="120000"/>
-              </a:lnSpc>
-              <a:spcBef>
-                <a:spcPts val="500"/>
-              </a:spcBef>
-              <a:buClr>
-                <a:schemeClr val="tx1"/>
-              </a:buClr>
-              <a:buFont typeface="Arial" panose="020B0604020202020204" pitchFamily="34" charset="0"/>
-              <a:buChar char="•"/>
-              <a:defRPr sz="1400" kern="1200" cap="all" baseline="0">
-                <a:solidFill>
-                  <a:schemeClr val="tx1"/>
-                </a:solidFill>
-                <a:effectLst/>
-                <a:latin typeface="+mn-lt"/>
-                <a:ea typeface="+mn-ea"/>
-                <a:cs typeface="+mn-cs"/>
-              </a:defRPr>
-            </a:lvl7pPr>
-            <a:lvl8pPr marL="3429000" indent="-228600" algn="l" defTabSz="914400" rtl="0" eaLnBrk="1" latinLnBrk="0" hangingPunct="1">
-              <a:lnSpc>
-                <a:spcPct val="120000"/>
-              </a:lnSpc>
-              <a:spcBef>
-                <a:spcPts val="500"/>
-              </a:spcBef>
-              <a:buClr>
-                <a:schemeClr val="tx1"/>
-              </a:buClr>
-              <a:buFont typeface="Arial" panose="020B0604020202020204" pitchFamily="34" charset="0"/>
-              <a:buChar char="•"/>
-              <a:defRPr sz="1400" kern="1200" cap="all" baseline="0">
-                <a:solidFill>
-                  <a:schemeClr val="tx1"/>
-                </a:solidFill>
-                <a:effectLst/>
-                <a:latin typeface="+mn-lt"/>
-                <a:ea typeface="+mn-ea"/>
-                <a:cs typeface="+mn-cs"/>
-              </a:defRPr>
-            </a:lvl8pPr>
-            <a:lvl9pPr marL="3886200" indent="-228600" algn="l" defTabSz="914400" rtl="0" eaLnBrk="1" latinLnBrk="0" hangingPunct="1">
-              <a:lnSpc>
-                <a:spcPct val="120000"/>
-              </a:lnSpc>
-              <a:spcBef>
-                <a:spcPts val="500"/>
-              </a:spcBef>
-              <a:buClr>
-                <a:schemeClr val="tx1"/>
-              </a:buClr>
-              <a:buFont typeface="Arial" panose="020B0604020202020204" pitchFamily="34" charset="0"/>
-              <a:buChar char="•"/>
-              <a:defRPr sz="1400" kern="1200" cap="all" baseline="0">
-                <a:solidFill>
-                  <a:schemeClr val="tx1"/>
-                </a:solidFill>
-                <a:effectLst/>
-                <a:latin typeface="+mn-lt"/>
-                <a:ea typeface="+mn-ea"/>
-                <a:cs typeface="+mn-cs"/>
-              </a:defRPr>
-            </a:lvl9pPr>
-          </a:lstStyle>
-          <a:p>
-            <a:pPr marL="0" indent="0" eaLnBrk="1" fontAlgn="auto" hangingPunct="1">
-              <a:spcAft>
-                <a:spcPts val="0"/>
-              </a:spcAft>
-              <a:buFont typeface="Wingdings" panose="05000000000000000000" pitchFamily="2" charset="2"/>
-              <a:buNone/>
-              <a:defRPr/>
-            </a:pPr>
-            <a:r>
-              <a:rPr lang="zh-CN" altLang="en-US" sz="2800" dirty="0" smtClean="0">
-                <a:solidFill>
-                  <a:srgbClr val="92D050"/>
-                </a:solidFill>
-                <a:latin typeface="+mn-ea"/>
-              </a:rPr>
-              <a:t>沟通方面</a:t>
-            </a:r>
-            <a:endParaRPr lang="en-US" altLang="zh-CN" sz="2800" dirty="0" smtClean="0">
-              <a:solidFill>
-                <a:srgbClr val="92D050"/>
-              </a:solidFill>
-              <a:latin typeface="+mn-ea"/>
-            </a:endParaRPr>
-          </a:p>
-          <a:p>
-            <a:pPr marL="0" indent="0" eaLnBrk="1" fontAlgn="auto" hangingPunct="1">
-              <a:spcAft>
-                <a:spcPts val="0"/>
-              </a:spcAft>
-              <a:buFont typeface="Wingdings" panose="05000000000000000000" pitchFamily="2" charset="2"/>
-              <a:buNone/>
-              <a:defRPr/>
-            </a:pPr>
-            <a:r>
-              <a:rPr lang="zh-CN" altLang="en-US" sz="1800" dirty="0" smtClean="0">
-                <a:solidFill>
-                  <a:schemeClr val="tx2"/>
-                </a:solidFill>
-                <a:latin typeface="+mn-ea"/>
-              </a:rPr>
-              <a:t>产品、研发、测试沟通等流程可进一步规范</a:t>
-            </a:r>
-            <a:endParaRPr lang="en-US" altLang="zh-CN" sz="1800" dirty="0" smtClean="0">
-              <a:solidFill>
-                <a:schemeClr val="tx2"/>
-              </a:solidFill>
-              <a:latin typeface="+mn-ea"/>
-            </a:endParaRPr>
+          <a:lstStyle/>
+          <a:p>
+            <a:r>
+              <a:rPr lang="zh-CN" altLang="en-US" sz="3200" dirty="0" smtClean="0"/>
+              <a:t>项目</a:t>
+            </a:r>
+            <a:endParaRPr lang="en-US" altLang="zh-CN" sz="3200" dirty="0" smtClean="0"/>
+          </a:p>
+          <a:p>
+            <a:pPr lvl="1"/>
+            <a:r>
+              <a:rPr lang="zh-CN" altLang="en-US" sz="3000" dirty="0"/>
+              <a:t>云平台</a:t>
+            </a:r>
+            <a:r>
+              <a:rPr lang="zh-CN" altLang="en-US" sz="3000" dirty="0" smtClean="0"/>
+              <a:t>需求功能的开发、单元测试、部署</a:t>
+            </a:r>
+            <a:endParaRPr lang="en-US" altLang="zh-CN" sz="3000" dirty="0" smtClean="0"/>
+          </a:p>
+          <a:p>
+            <a:r>
+              <a:rPr lang="zh-CN" altLang="en-US" sz="3200" dirty="0" smtClean="0"/>
+              <a:t>个人能力提升</a:t>
+            </a:r>
+            <a:r>
+              <a:rPr lang="en-US" altLang="zh-CN" sz="3200" dirty="0" smtClean="0"/>
+              <a:t>	</a:t>
+            </a:r>
+          </a:p>
+          <a:p>
+            <a:pPr lvl="1"/>
+            <a:r>
+              <a:rPr lang="en-US" altLang="zh-CN" sz="3000" dirty="0" smtClean="0"/>
+              <a:t>Windows </a:t>
+            </a:r>
+            <a:r>
+              <a:rPr lang="en-US" altLang="zh-CN" dirty="0" smtClean="0"/>
+              <a:t>                   </a:t>
+            </a:r>
+            <a:r>
+              <a:rPr lang="en-US" altLang="zh-CN" sz="3000" dirty="0" smtClean="0"/>
+              <a:t>Linux </a:t>
+            </a:r>
+            <a:r>
+              <a:rPr lang="zh-CN" altLang="en-US" sz="3000" dirty="0" smtClean="0"/>
+              <a:t>平台转换</a:t>
+            </a:r>
+            <a:endParaRPr lang="en-US" altLang="zh-CN" sz="3000" dirty="0" smtClean="0"/>
+          </a:p>
+          <a:p>
+            <a:pPr lvl="2"/>
+            <a:r>
+              <a:rPr lang="zh-CN" altLang="en-US" sz="2800" dirty="0"/>
+              <a:t>线上问题定位、分析、</a:t>
+            </a:r>
+            <a:r>
+              <a:rPr lang="zh-CN" altLang="en-US" sz="2800" dirty="0" smtClean="0"/>
+              <a:t>修复</a:t>
+            </a:r>
+            <a:endParaRPr lang="en-US" altLang="zh-CN" sz="2800" dirty="0" smtClean="0"/>
+          </a:p>
+          <a:p>
+            <a:pPr lvl="1"/>
+            <a:r>
+              <a:rPr lang="en-US" altLang="zh-CN" sz="3000" dirty="0" smtClean="0"/>
+              <a:t>Duboo</a:t>
+            </a:r>
+            <a:r>
+              <a:rPr lang="zh-CN" altLang="en-US" sz="3000" dirty="0" smtClean="0"/>
+              <a:t>分布式开发</a:t>
+            </a:r>
+            <a:endParaRPr lang="en-US" altLang="zh-CN" sz="3000" dirty="0" smtClean="0"/>
+          </a:p>
+          <a:p>
+            <a:pPr lvl="1"/>
+            <a:r>
+              <a:rPr lang="en-US" altLang="zh-CN" sz="3000" dirty="0"/>
+              <a:t>SQL</a:t>
+            </a:r>
+            <a:r>
+              <a:rPr lang="en-US" altLang="zh-CN" sz="3000" dirty="0" smtClean="0"/>
+              <a:t> </a:t>
+            </a:r>
+            <a:r>
+              <a:rPr lang="zh-CN" altLang="en-US" sz="3000" dirty="0" smtClean="0"/>
+              <a:t>性能优化</a:t>
+            </a:r>
+            <a:endParaRPr lang="en-US" altLang="zh-CN" sz="3000" dirty="0" smtClean="0"/>
           </a:p>
         </p:txBody>
       </p:sp>
       <p:sp>
         <p:nvSpPr>
-          <p:cNvPr id="12" name="矩形 11"/>
+          <p:cNvPr id="8" name="右箭头 7"/>
           <p:cNvSpPr/>
           <p:nvPr/>
         </p:nvSpPr>
         <p:spPr>
           <a:xfrm>
-            <a:off x="2813048" y="3383787"/>
-            <a:ext cx="5593973" cy="1077218"/>
+            <a:off x="3749720" y="3925170"/>
+            <a:ext cx="978408" cy="400523"/>
           </a:xfrm>
-          <a:prstGeom prst="rect">
+          <a:prstGeom prst="rightArrow">
             <a:avLst/>
           </a:prstGeom>
         </p:spPr>
+        <p:style>
+          <a:lnRef idx="2">
+            <a:schemeClr val="accent1">
+              <a:shade val="50000"/>
+            </a:schemeClr>
+          </a:lnRef>
+          <a:fillRef idx="1">
+            <a:schemeClr val="accent1"/>
+          </a:fillRef>
+          <a:effectRef idx="0">
+            <a:schemeClr val="accent1"/>
+          </a:effectRef>
+          <a:fontRef idx="minor">
+            <a:schemeClr val="lt1"/>
+          </a:fontRef>
+        </p:style>
         <p:txBody>
-          <a:bodyPr wrap="square">
-            <a:spAutoFit/>
-          </a:bodyPr>
-          <a:lstStyle>
-            <a:defPPr>
-              <a:defRPr lang="zh-CN"/>
-            </a:defPPr>
-            <a:lvl1pPr algn="l" rtl="0" eaLnBrk="0" fontAlgn="base" hangingPunct="0">
-              <a:spcBef>
-                <a:spcPct val="0"/>
-              </a:spcBef>
-              <a:spcAft>
-                <a:spcPct val="0"/>
-              </a:spcAft>
-              <a:defRPr kumimoji="1" sz="1600" kern="1200">
-                <a:solidFill>
-                  <a:schemeClr val="tx2"/>
-                </a:solidFill>
-                <a:latin typeface="Arial" panose="020B0604020202020204" pitchFamily="34" charset="0"/>
-                <a:ea typeface="宋体" panose="02010600030101010101" pitchFamily="2" charset="-122"/>
-                <a:cs typeface="+mn-cs"/>
-              </a:defRPr>
-            </a:lvl1pPr>
-            <a:lvl2pPr marL="457200" algn="l" rtl="0" eaLnBrk="0" fontAlgn="base" hangingPunct="0">
-              <a:spcBef>
-                <a:spcPct val="0"/>
-              </a:spcBef>
-              <a:spcAft>
-                <a:spcPct val="0"/>
-              </a:spcAft>
-              <a:defRPr kumimoji="1" sz="1600" kern="1200">
-                <a:solidFill>
-                  <a:schemeClr val="tx2"/>
-                </a:solidFill>
-                <a:latin typeface="Arial" panose="020B0604020202020204" pitchFamily="34" charset="0"/>
-                <a:ea typeface="宋体" panose="02010600030101010101" pitchFamily="2" charset="-122"/>
-                <a:cs typeface="+mn-cs"/>
-              </a:defRPr>
-            </a:lvl2pPr>
-            <a:lvl3pPr marL="914400" algn="l" rtl="0" eaLnBrk="0" fontAlgn="base" hangingPunct="0">
-              <a:spcBef>
-                <a:spcPct val="0"/>
-              </a:spcBef>
-              <a:spcAft>
-                <a:spcPct val="0"/>
-              </a:spcAft>
-              <a:defRPr kumimoji="1" sz="1600" kern="1200">
-                <a:solidFill>
-                  <a:schemeClr val="tx2"/>
-                </a:solidFill>
-                <a:latin typeface="Arial" panose="020B0604020202020204" pitchFamily="34" charset="0"/>
-                <a:ea typeface="宋体" panose="02010600030101010101" pitchFamily="2" charset="-122"/>
-                <a:cs typeface="+mn-cs"/>
-              </a:defRPr>
-            </a:lvl3pPr>
-            <a:lvl4pPr marL="1371600" algn="l" rtl="0" eaLnBrk="0" fontAlgn="base" hangingPunct="0">
-              <a:spcBef>
-                <a:spcPct val="0"/>
-              </a:spcBef>
-              <a:spcAft>
-                <a:spcPct val="0"/>
-              </a:spcAft>
-              <a:defRPr kumimoji="1" sz="1600" kern="1200">
-                <a:solidFill>
-                  <a:schemeClr val="tx2"/>
-                </a:solidFill>
-                <a:latin typeface="Arial" panose="020B0604020202020204" pitchFamily="34" charset="0"/>
-                <a:ea typeface="宋体" panose="02010600030101010101" pitchFamily="2" charset="-122"/>
-                <a:cs typeface="+mn-cs"/>
-              </a:defRPr>
-            </a:lvl4pPr>
-            <a:lvl5pPr marL="1828800" algn="l" rtl="0" eaLnBrk="0" fontAlgn="base" hangingPunct="0">
-              <a:spcBef>
-                <a:spcPct val="0"/>
-              </a:spcBef>
-              <a:spcAft>
-                <a:spcPct val="0"/>
-              </a:spcAft>
-              <a:defRPr kumimoji="1" sz="1600" kern="1200">
-                <a:solidFill>
-                  <a:schemeClr val="tx2"/>
-                </a:solidFill>
-                <a:latin typeface="Arial" panose="020B0604020202020204" pitchFamily="34" charset="0"/>
-                <a:ea typeface="宋体" panose="02010600030101010101" pitchFamily="2" charset="-122"/>
-                <a:cs typeface="+mn-cs"/>
-              </a:defRPr>
-            </a:lvl5pPr>
-            <a:lvl6pPr marL="2286000" algn="l" defTabSz="914400" rtl="0" eaLnBrk="1" latinLnBrk="0" hangingPunct="1">
-              <a:defRPr kumimoji="1" sz="1600" kern="1200">
-                <a:solidFill>
-                  <a:schemeClr val="tx2"/>
-                </a:solidFill>
-                <a:latin typeface="Arial" panose="020B0604020202020204" pitchFamily="34" charset="0"/>
-                <a:ea typeface="宋体" panose="02010600030101010101" pitchFamily="2" charset="-122"/>
-                <a:cs typeface="+mn-cs"/>
-              </a:defRPr>
-            </a:lvl6pPr>
-            <a:lvl7pPr marL="2743200" algn="l" defTabSz="914400" rtl="0" eaLnBrk="1" latinLnBrk="0" hangingPunct="1">
-              <a:defRPr kumimoji="1" sz="1600" kern="1200">
-                <a:solidFill>
-                  <a:schemeClr val="tx2"/>
-                </a:solidFill>
-                <a:latin typeface="Arial" panose="020B0604020202020204" pitchFamily="34" charset="0"/>
-                <a:ea typeface="宋体" panose="02010600030101010101" pitchFamily="2" charset="-122"/>
-                <a:cs typeface="+mn-cs"/>
-              </a:defRPr>
-            </a:lvl7pPr>
-            <a:lvl8pPr marL="3200400" algn="l" defTabSz="914400" rtl="0" eaLnBrk="1" latinLnBrk="0" hangingPunct="1">
-              <a:defRPr kumimoji="1" sz="1600" kern="1200">
-                <a:solidFill>
-                  <a:schemeClr val="tx2"/>
-                </a:solidFill>
-                <a:latin typeface="Arial" panose="020B0604020202020204" pitchFamily="34" charset="0"/>
-                <a:ea typeface="宋体" panose="02010600030101010101" pitchFamily="2" charset="-122"/>
-                <a:cs typeface="+mn-cs"/>
-              </a:defRPr>
-            </a:lvl8pPr>
-            <a:lvl9pPr marL="3657600" algn="l" defTabSz="914400" rtl="0" eaLnBrk="1" latinLnBrk="0" hangingPunct="1">
-              <a:defRPr kumimoji="1" sz="1600" kern="1200">
-                <a:solidFill>
-                  <a:schemeClr val="tx2"/>
-                </a:solidFill>
-                <a:latin typeface="Arial" panose="020B0604020202020204" pitchFamily="34" charset="0"/>
-                <a:ea typeface="宋体" panose="02010600030101010101" pitchFamily="2" charset="-122"/>
-                <a:cs typeface="+mn-cs"/>
-              </a:defRPr>
-            </a:lvl9pPr>
-          </a:lstStyle>
-          <a:p>
-            <a:pPr>
-              <a:buFont typeface="Wingdings" panose="05000000000000000000" pitchFamily="2" charset="2"/>
-              <a:buNone/>
-              <a:defRPr/>
-            </a:pPr>
-            <a:r>
-              <a:rPr lang="zh-CN" altLang="en-US" sz="2800" dirty="0">
-                <a:solidFill>
-                  <a:srgbClr val="92D050"/>
-                </a:solidFill>
-                <a:latin typeface="+mn-ea"/>
-                <a:ea typeface="+mn-ea"/>
-              </a:rPr>
-              <a:t>培训方面</a:t>
-            </a:r>
-            <a:endParaRPr lang="en-US" altLang="zh-CN" sz="2800" dirty="0">
-              <a:solidFill>
-                <a:srgbClr val="92D050"/>
-              </a:solidFill>
-              <a:latin typeface="+mn-ea"/>
-              <a:ea typeface="+mn-ea"/>
-            </a:endParaRPr>
-          </a:p>
-          <a:p>
-            <a:pPr>
-              <a:buFont typeface="Wingdings" panose="05000000000000000000" pitchFamily="2" charset="2"/>
-              <a:buNone/>
-              <a:defRPr/>
-            </a:pPr>
-            <a:endParaRPr lang="en-US" altLang="zh-CN" sz="1800" dirty="0">
-              <a:latin typeface="+mn-ea"/>
-              <a:ea typeface="+mn-ea"/>
-            </a:endParaRPr>
-          </a:p>
-          <a:p>
-            <a:pPr>
-              <a:buFont typeface="Wingdings" panose="05000000000000000000" pitchFamily="2" charset="2"/>
-              <a:buNone/>
-              <a:defRPr/>
-            </a:pPr>
-            <a:r>
-              <a:rPr lang="zh-CN" altLang="en-US" sz="1800" dirty="0">
-                <a:latin typeface="+mn-ea"/>
-                <a:ea typeface="+mn-ea"/>
-              </a:rPr>
-              <a:t>针对新入职员工或转岗员工，部门多组织基础</a:t>
-            </a:r>
-            <a:r>
-              <a:rPr lang="zh-CN" altLang="en-US" sz="1800" dirty="0" smtClean="0">
-                <a:latin typeface="+mn-ea"/>
-                <a:ea typeface="+mn-ea"/>
-              </a:rPr>
-              <a:t>培训</a:t>
-            </a:r>
-            <a:endParaRPr lang="en-US" altLang="zh-CN" sz="1800" dirty="0">
-              <a:latin typeface="+mn-ea"/>
-              <a:ea typeface="+mn-ea"/>
-            </a:endParaRPr>
+          <a:bodyPr rtlCol="0" anchor="ctr"/>
+          <a:lstStyle/>
+          <a:p>
+            <a:pPr algn="ctr"/>
+            <a:endParaRPr lang="zh-CN" altLang="en-US"/>
           </a:p>
         </p:txBody>
       </p:sp>
-      <p:sp>
-        <p:nvSpPr>
-          <p:cNvPr id="13" name="矩形 12"/>
-          <p:cNvSpPr/>
-          <p:nvPr/>
-        </p:nvSpPr>
-        <p:spPr>
-          <a:xfrm>
-            <a:off x="2813048" y="4928801"/>
-            <a:ext cx="5225483" cy="1600438"/>
-          </a:xfrm>
-          <a:prstGeom prst="rect">
-            <a:avLst/>
-          </a:prstGeom>
-        </p:spPr>
-        <p:txBody>
-          <a:bodyPr wrap="square">
-            <a:spAutoFit/>
-          </a:bodyPr>
-          <a:lstStyle>
-            <a:defPPr>
-              <a:defRPr lang="zh-CN"/>
-            </a:defPPr>
-            <a:lvl1pPr algn="l" rtl="0" eaLnBrk="0" fontAlgn="base" hangingPunct="0">
-              <a:spcBef>
-                <a:spcPct val="0"/>
-              </a:spcBef>
-              <a:spcAft>
-                <a:spcPct val="0"/>
-              </a:spcAft>
-              <a:defRPr kumimoji="1" sz="1600" kern="1200">
-                <a:solidFill>
-                  <a:schemeClr val="tx2"/>
-                </a:solidFill>
-                <a:latin typeface="Arial" panose="020B0604020202020204" pitchFamily="34" charset="0"/>
-                <a:ea typeface="宋体" panose="02010600030101010101" pitchFamily="2" charset="-122"/>
-                <a:cs typeface="+mn-cs"/>
-              </a:defRPr>
-            </a:lvl1pPr>
-            <a:lvl2pPr marL="457200" algn="l" rtl="0" eaLnBrk="0" fontAlgn="base" hangingPunct="0">
-              <a:spcBef>
-                <a:spcPct val="0"/>
-              </a:spcBef>
-              <a:spcAft>
-                <a:spcPct val="0"/>
-              </a:spcAft>
-              <a:defRPr kumimoji="1" sz="1600" kern="1200">
-                <a:solidFill>
-                  <a:schemeClr val="tx2"/>
-                </a:solidFill>
-                <a:latin typeface="Arial" panose="020B0604020202020204" pitchFamily="34" charset="0"/>
-                <a:ea typeface="宋体" panose="02010600030101010101" pitchFamily="2" charset="-122"/>
-                <a:cs typeface="+mn-cs"/>
-              </a:defRPr>
-            </a:lvl2pPr>
-            <a:lvl3pPr marL="914400" algn="l" rtl="0" eaLnBrk="0" fontAlgn="base" hangingPunct="0">
-              <a:spcBef>
-                <a:spcPct val="0"/>
-              </a:spcBef>
-              <a:spcAft>
-                <a:spcPct val="0"/>
-              </a:spcAft>
-              <a:defRPr kumimoji="1" sz="1600" kern="1200">
-                <a:solidFill>
-                  <a:schemeClr val="tx2"/>
-                </a:solidFill>
-                <a:latin typeface="Arial" panose="020B0604020202020204" pitchFamily="34" charset="0"/>
-                <a:ea typeface="宋体" panose="02010600030101010101" pitchFamily="2" charset="-122"/>
-                <a:cs typeface="+mn-cs"/>
-              </a:defRPr>
-            </a:lvl3pPr>
-            <a:lvl4pPr marL="1371600" algn="l" rtl="0" eaLnBrk="0" fontAlgn="base" hangingPunct="0">
-              <a:spcBef>
-                <a:spcPct val="0"/>
-              </a:spcBef>
-              <a:spcAft>
-                <a:spcPct val="0"/>
-              </a:spcAft>
-              <a:defRPr kumimoji="1" sz="1600" kern="1200">
-                <a:solidFill>
-                  <a:schemeClr val="tx2"/>
-                </a:solidFill>
-                <a:latin typeface="Arial" panose="020B0604020202020204" pitchFamily="34" charset="0"/>
-                <a:ea typeface="宋体" panose="02010600030101010101" pitchFamily="2" charset="-122"/>
-                <a:cs typeface="+mn-cs"/>
-              </a:defRPr>
-            </a:lvl4pPr>
-            <a:lvl5pPr marL="1828800" algn="l" rtl="0" eaLnBrk="0" fontAlgn="base" hangingPunct="0">
-              <a:spcBef>
-                <a:spcPct val="0"/>
-              </a:spcBef>
-              <a:spcAft>
-                <a:spcPct val="0"/>
-              </a:spcAft>
-              <a:defRPr kumimoji="1" sz="1600" kern="1200">
-                <a:solidFill>
-                  <a:schemeClr val="tx2"/>
-                </a:solidFill>
-                <a:latin typeface="Arial" panose="020B0604020202020204" pitchFamily="34" charset="0"/>
-                <a:ea typeface="宋体" panose="02010600030101010101" pitchFamily="2" charset="-122"/>
-                <a:cs typeface="+mn-cs"/>
-              </a:defRPr>
-            </a:lvl5pPr>
-            <a:lvl6pPr marL="2286000" algn="l" defTabSz="914400" rtl="0" eaLnBrk="1" latinLnBrk="0" hangingPunct="1">
-              <a:defRPr kumimoji="1" sz="1600" kern="1200">
-                <a:solidFill>
-                  <a:schemeClr val="tx2"/>
-                </a:solidFill>
-                <a:latin typeface="Arial" panose="020B0604020202020204" pitchFamily="34" charset="0"/>
-                <a:ea typeface="宋体" panose="02010600030101010101" pitchFamily="2" charset="-122"/>
-                <a:cs typeface="+mn-cs"/>
-              </a:defRPr>
-            </a:lvl6pPr>
-            <a:lvl7pPr marL="2743200" algn="l" defTabSz="914400" rtl="0" eaLnBrk="1" latinLnBrk="0" hangingPunct="1">
-              <a:defRPr kumimoji="1" sz="1600" kern="1200">
-                <a:solidFill>
-                  <a:schemeClr val="tx2"/>
-                </a:solidFill>
-                <a:latin typeface="Arial" panose="020B0604020202020204" pitchFamily="34" charset="0"/>
-                <a:ea typeface="宋体" panose="02010600030101010101" pitchFamily="2" charset="-122"/>
-                <a:cs typeface="+mn-cs"/>
-              </a:defRPr>
-            </a:lvl7pPr>
-            <a:lvl8pPr marL="3200400" algn="l" defTabSz="914400" rtl="0" eaLnBrk="1" latinLnBrk="0" hangingPunct="1">
-              <a:defRPr kumimoji="1" sz="1600" kern="1200">
-                <a:solidFill>
-                  <a:schemeClr val="tx2"/>
-                </a:solidFill>
-                <a:latin typeface="Arial" panose="020B0604020202020204" pitchFamily="34" charset="0"/>
-                <a:ea typeface="宋体" panose="02010600030101010101" pitchFamily="2" charset="-122"/>
-                <a:cs typeface="+mn-cs"/>
-              </a:defRPr>
-            </a:lvl8pPr>
-            <a:lvl9pPr marL="3657600" algn="l" defTabSz="914400" rtl="0" eaLnBrk="1" latinLnBrk="0" hangingPunct="1">
-              <a:defRPr kumimoji="1" sz="1600" kern="1200">
-                <a:solidFill>
-                  <a:schemeClr val="tx2"/>
-                </a:solidFill>
-                <a:latin typeface="Arial" panose="020B0604020202020204" pitchFamily="34" charset="0"/>
-                <a:ea typeface="宋体" panose="02010600030101010101" pitchFamily="2" charset="-122"/>
-                <a:cs typeface="+mn-cs"/>
-              </a:defRPr>
-            </a:lvl9pPr>
-          </a:lstStyle>
-          <a:p>
-            <a:pPr>
-              <a:buFont typeface="Wingdings" panose="05000000000000000000" pitchFamily="2" charset="2"/>
-              <a:buNone/>
-              <a:defRPr/>
-            </a:pPr>
-            <a:r>
-              <a:rPr lang="zh-CN" altLang="en-US" sz="2800" dirty="0">
-                <a:solidFill>
-                  <a:srgbClr val="92D050"/>
-                </a:solidFill>
-                <a:latin typeface="+mn-ea"/>
-                <a:ea typeface="+mn-ea"/>
-              </a:rPr>
-              <a:t>管理方面</a:t>
-            </a:r>
-            <a:endParaRPr lang="en-US" altLang="zh-CN" sz="2800" dirty="0">
-              <a:solidFill>
-                <a:srgbClr val="92D050"/>
-              </a:solidFill>
-              <a:latin typeface="+mn-ea"/>
-              <a:ea typeface="+mn-ea"/>
-            </a:endParaRPr>
-          </a:p>
-          <a:p>
-            <a:pPr>
-              <a:buFont typeface="Wingdings" panose="05000000000000000000" pitchFamily="2" charset="2"/>
-              <a:buNone/>
-              <a:defRPr/>
-            </a:pPr>
-            <a:endParaRPr lang="en-US" altLang="zh-CN" dirty="0">
-              <a:latin typeface="+mn-ea"/>
-              <a:ea typeface="+mn-ea"/>
-            </a:endParaRPr>
-          </a:p>
-          <a:p>
-            <a:pPr>
-              <a:buFont typeface="Wingdings" panose="05000000000000000000" pitchFamily="2" charset="2"/>
-              <a:buNone/>
-              <a:defRPr/>
-            </a:pPr>
-            <a:r>
-              <a:rPr lang="zh-CN" altLang="en-US" sz="1800" dirty="0">
-                <a:latin typeface="+mn-ea"/>
-                <a:ea typeface="+mn-ea"/>
-              </a:rPr>
-              <a:t>多从人性化方面考虑，合理安排工作指标与计划，希望领导多关系基层职员，增加交流，减少员工不稳定因素，做好人员储备。</a:t>
-            </a:r>
-          </a:p>
-        </p:txBody>
-      </p:sp>
-      <p:pic>
-        <p:nvPicPr>
-          <p:cNvPr id="14" name="图片 13"/>
-          <p:cNvPicPr>
-            <a:picLocks noChangeAspect="1"/>
-          </p:cNvPicPr>
-          <p:nvPr/>
-        </p:nvPicPr>
-        <p:blipFill>
-          <a:blip r:embed="rId3">
-            <a:extLst>
-              <a:ext uri="{28A0092B-C50C-407E-A947-70E740481C1C}">
-                <a14:useLocalDpi xmlns:a14="http://schemas.microsoft.com/office/drawing/2010/main" val="0"/>
-              </a:ext>
-            </a:extLst>
-          </a:blip>
-          <a:srcRect/>
-          <a:stretch>
-            <a:fillRect/>
-          </a:stretch>
-        </p:blipFill>
-        <p:spPr bwMode="auto">
-          <a:xfrm>
-            <a:off x="646111" y="1546526"/>
-            <a:ext cx="2111375" cy="1406525"/>
-          </a:xfrm>
-          <a:prstGeom prst="rect">
-            <a:avLst/>
-          </a:prstGeom>
-          <a:noFill/>
-          <a:ln>
-            <a:noFill/>
-          </a:ln>
-          <a:extLst>
-            <a:ext uri="{909E8E84-426E-40DD-AFC4-6F175D3DCCD1}">
-              <a14:hiddenFill xmlns:a14="http://schemas.microsoft.com/office/drawing/2010/main">
-                <a:solidFill>
-                  <a:srgbClr val="FFFFFF"/>
-                </a:solidFill>
-              </a14:hiddenFill>
-            </a:ext>
-            <a:ext uri="{91240B29-F687-4F45-9708-019B960494DF}">
-              <a14:hiddenLine xmlns:a14="http://schemas.microsoft.com/office/drawing/2010/main" w="9525">
-                <a:solidFill>
-                  <a:srgbClr val="000000"/>
-                </a:solidFill>
-                <a:miter lim="800000"/>
-                <a:headEnd/>
-                <a:tailEnd/>
-              </a14:hiddenLine>
-            </a:ext>
-          </a:extLst>
-        </p:spPr>
-      </p:pic>
-      <p:pic>
-        <p:nvPicPr>
-          <p:cNvPr id="15" name="图片 14"/>
-          <p:cNvPicPr>
-            <a:picLocks noChangeAspect="1"/>
-          </p:cNvPicPr>
-          <p:nvPr/>
-        </p:nvPicPr>
-        <p:blipFill>
-          <a:blip r:embed="rId4" cstate="print">
-            <a:extLst>
-              <a:ext uri="{28A0092B-C50C-407E-A947-70E740481C1C}">
-                <a14:useLocalDpi xmlns:a14="http://schemas.microsoft.com/office/drawing/2010/main" val="0"/>
-              </a:ext>
-            </a:extLst>
-          </a:blip>
-          <a:srcRect/>
-          <a:stretch>
-            <a:fillRect/>
-          </a:stretch>
-        </p:blipFill>
-        <p:spPr bwMode="auto">
-          <a:xfrm>
-            <a:off x="646111" y="3379025"/>
-            <a:ext cx="2179637" cy="1522412"/>
-          </a:xfrm>
-          <a:prstGeom prst="rect">
-            <a:avLst/>
-          </a:prstGeom>
-          <a:noFill/>
-          <a:ln>
-            <a:noFill/>
-          </a:ln>
-          <a:extLst>
-            <a:ext uri="{909E8E84-426E-40DD-AFC4-6F175D3DCCD1}">
-              <a14:hiddenFill xmlns:a14="http://schemas.microsoft.com/office/drawing/2010/main">
-                <a:solidFill>
-                  <a:srgbClr val="FFFFFF"/>
-                </a:solidFill>
-              </a14:hiddenFill>
-            </a:ext>
-            <a:ext uri="{91240B29-F687-4F45-9708-019B960494DF}">
-              <a14:hiddenLine xmlns:a14="http://schemas.microsoft.com/office/drawing/2010/main" w="9525">
-                <a:solidFill>
-                  <a:srgbClr val="000000"/>
-                </a:solidFill>
-                <a:miter lim="800000"/>
-                <a:headEnd/>
-                <a:tailEnd/>
-              </a14:hiddenLine>
-            </a:ext>
-          </a:extLst>
-        </p:spPr>
-      </p:pic>
-      <p:pic>
-        <p:nvPicPr>
-          <p:cNvPr id="16" name="图片 15"/>
-          <p:cNvPicPr>
-            <a:picLocks noChangeAspect="1"/>
-          </p:cNvPicPr>
-          <p:nvPr/>
-        </p:nvPicPr>
-        <p:blipFill>
-          <a:blip r:embed="rId5">
-            <a:extLst>
-              <a:ext uri="{28A0092B-C50C-407E-A947-70E740481C1C}">
-                <a14:useLocalDpi xmlns:a14="http://schemas.microsoft.com/office/drawing/2010/main" val="0"/>
-              </a:ext>
-            </a:extLst>
-          </a:blip>
-          <a:srcRect/>
-          <a:stretch>
-            <a:fillRect/>
-          </a:stretch>
-        </p:blipFill>
-        <p:spPr bwMode="auto">
-          <a:xfrm>
-            <a:off x="646111" y="4991925"/>
-            <a:ext cx="2179637" cy="1601787"/>
-          </a:xfrm>
-          <a:prstGeom prst="rect">
-            <a:avLst/>
-          </a:prstGeom>
-          <a:noFill/>
-          <a:ln>
-            <a:noFill/>
-          </a:ln>
-          <a:extLst>
-            <a:ext uri="{909E8E84-426E-40DD-AFC4-6F175D3DCCD1}">
-              <a14:hiddenFill xmlns:a14="http://schemas.microsoft.com/office/drawing/2010/main">
-                <a:solidFill>
-                  <a:srgbClr val="FFFFFF"/>
-                </a:solidFill>
-              </a14:hiddenFill>
-            </a:ext>
-            <a:ext uri="{91240B29-F687-4F45-9708-019B960494DF}">
-              <a14:hiddenLine xmlns:a14="http://schemas.microsoft.com/office/drawing/2010/main" w="9525">
-                <a:solidFill>
-                  <a:srgbClr val="000000"/>
-                </a:solidFill>
-                <a:miter lim="800000"/>
-                <a:headEnd/>
-                <a:tailEnd/>
-              </a14:hiddenLine>
-            </a:ext>
-          </a:extLst>
-        </p:spPr>
-      </p:pic>
     </p:spTree>
     <p:extLst>
       <p:ext uri="{BB962C8B-B14F-4D97-AF65-F5344CB8AC3E}">
-        <p14:creationId xmlns:p14="http://schemas.microsoft.com/office/powerpoint/2010/main" val="1412030083"/>
+        <p14:creationId xmlns:p14="http://schemas.microsoft.com/office/powerpoint/2010/main" val="2886213107"/>
       </p:ext>
     </p:extLst>
   </p:cSld>
@@ -14188,6 +13518,151 @@
 </file>
 
 <file path=ppt/slides/slide8.xml><?xml version="1.0" encoding="utf-8"?>
+<p:sld xmlns:a="http://schemas.openxmlformats.org/drawingml/2006/main" xmlns:r="http://schemas.openxmlformats.org/officeDocument/2006/relationships" xmlns:p="http://schemas.openxmlformats.org/presentationml/2006/main">
+  <p:cSld>
+    <p:spTree>
+      <p:nvGrpSpPr>
+        <p:cNvPr id="1" name=""/>
+        <p:cNvGrpSpPr/>
+        <p:nvPr/>
+      </p:nvGrpSpPr>
+      <p:grpSpPr>
+        <a:xfrm>
+          <a:off x="0" y="0"/>
+          <a:ext cx="0" cy="0"/>
+          <a:chOff x="0" y="0"/>
+          <a:chExt cx="0" cy="0"/>
+        </a:xfrm>
+      </p:grpSpPr>
+      <p:sp>
+        <p:nvSpPr>
+          <p:cNvPr id="2" name="标题 1"/>
+          <p:cNvSpPr>
+            <a:spLocks noGrp="1"/>
+          </p:cNvSpPr>
+          <p:nvPr>
+            <p:ph type="title"/>
+          </p:nvPr>
+        </p:nvSpPr>
+        <p:spPr/>
+        <p:txBody>
+          <a:bodyPr/>
+          <a:lstStyle/>
+          <a:p>
+            <a:r>
+              <a:rPr lang="zh-CN" altLang="en-US" dirty="0">
+                <a:latin typeface="华文楷体" panose="02010600040101010101" pitchFamily="2" charset="-122"/>
+                <a:ea typeface="华文楷体" panose="02010600040101010101" pitchFamily="2" charset="-122"/>
+              </a:rPr>
+              <a:t>工作</a:t>
+            </a:r>
+            <a:r>
+              <a:rPr lang="zh-CN" altLang="en-US" dirty="0" smtClean="0">
+                <a:latin typeface="华文楷体" panose="02010600040101010101" pitchFamily="2" charset="-122"/>
+                <a:ea typeface="华文楷体" panose="02010600040101010101" pitchFamily="2" charset="-122"/>
+              </a:rPr>
+              <a:t>计划</a:t>
+            </a:r>
+            <a:endParaRPr lang="zh-CN" altLang="en-US" dirty="0">
+              <a:latin typeface="华文楷体" panose="02010600040101010101" pitchFamily="2" charset="-122"/>
+              <a:ea typeface="华文楷体" panose="02010600040101010101" pitchFamily="2" charset="-122"/>
+            </a:endParaRPr>
+          </a:p>
+        </p:txBody>
+      </p:sp>
+      <p:sp>
+        <p:nvSpPr>
+          <p:cNvPr id="3" name="内容占位符 2"/>
+          <p:cNvSpPr>
+            <a:spLocks noGrp="1"/>
+          </p:cNvSpPr>
+          <p:nvPr>
+            <p:ph idx="1"/>
+          </p:nvPr>
+        </p:nvSpPr>
+        <p:spPr/>
+        <p:txBody>
+          <a:bodyPr/>
+          <a:lstStyle/>
+          <a:p>
+            <a:r>
+              <a:rPr lang="en-US" altLang="zh-CN" sz="3200" dirty="0"/>
+              <a:t> </a:t>
+            </a:r>
+            <a:r>
+              <a:rPr lang="zh-CN" altLang="en-US" sz="3200" dirty="0" smtClean="0"/>
+              <a:t>优化云平台的包结构</a:t>
+            </a:r>
+            <a:endParaRPr lang="en-US" altLang="zh-CN" sz="3200" dirty="0" smtClean="0"/>
+          </a:p>
+          <a:p>
+            <a:r>
+              <a:rPr lang="zh-CN" altLang="en-US" sz="3200" dirty="0" smtClean="0"/>
+              <a:t> 根据需求进行业务进一步拆分</a:t>
+            </a:r>
+            <a:endParaRPr lang="en-US" altLang="zh-CN" sz="3200" dirty="0" smtClean="0"/>
+          </a:p>
+          <a:p>
+            <a:r>
+              <a:rPr lang="en-US" altLang="zh-CN" sz="3200" dirty="0"/>
+              <a:t> </a:t>
+            </a:r>
+            <a:r>
+              <a:rPr lang="zh-CN" altLang="en-US" sz="3200" dirty="0" smtClean="0"/>
+              <a:t>实际应用中</a:t>
+            </a:r>
+            <a:r>
+              <a:rPr lang="zh-CN" altLang="en-US" sz="3200" dirty="0"/>
+              <a:t>平台</a:t>
+            </a:r>
+            <a:r>
+              <a:rPr lang="zh-CN" altLang="en-US" sz="3200" dirty="0" smtClean="0"/>
+              <a:t>性能优化</a:t>
+            </a:r>
+            <a:endParaRPr lang="en-US" altLang="zh-CN" sz="3200" dirty="0" smtClean="0"/>
+          </a:p>
+          <a:p>
+            <a:r>
+              <a:rPr lang="en-US" altLang="zh-CN" sz="3200" dirty="0"/>
+              <a:t> </a:t>
+            </a:r>
+            <a:r>
+              <a:rPr lang="en-US" altLang="zh-CN" sz="3200" dirty="0" smtClean="0"/>
+              <a:t>ORM</a:t>
+            </a:r>
+            <a:r>
+              <a:rPr lang="zh-CN" altLang="en-US" sz="3200" dirty="0" smtClean="0"/>
+              <a:t>框架的引入，如</a:t>
+            </a:r>
+            <a:r>
+              <a:rPr lang="en-US" altLang="zh-CN" sz="3200" dirty="0" err="1" smtClean="0"/>
+              <a:t>Mybatis</a:t>
+            </a:r>
+            <a:endParaRPr lang="en-US" altLang="zh-CN" sz="3200" dirty="0" smtClean="0"/>
+          </a:p>
+        </p:txBody>
+      </p:sp>
+    </p:spTree>
+    <p:extLst>
+      <p:ext uri="{BB962C8B-B14F-4D97-AF65-F5344CB8AC3E}">
+        <p14:creationId xmlns:p14="http://schemas.microsoft.com/office/powerpoint/2010/main" val="720908614"/>
+      </p:ext>
+    </p:extLst>
+  </p:cSld>
+  <p:clrMapOvr>
+    <a:masterClrMapping/>
+  </p:clrMapOvr>
+  <p:timing>
+    <p:tnLst>
+      <p:par>
+        <p:cTn id="1" dur="indefinite" restart="never" nodeType="tmRoot"/>
+      </p:par>
+    </p:tnLst>
+  </p:timing>
+</p:sld>
+</file>
+
+<file path=ppt/slides/slide9.xml><?xml version="1.0" encoding="utf-8"?>
 <p:sld xmlns:a="http://schemas.openxmlformats.org/drawingml/2006/main" xmlns:r="http://schemas.openxmlformats.org/officeDocument/2006/relationships" xmlns:p="http://schemas.openxmlformats.org/presentationml/2006/main">
   <p:cSld>
     <p:spTree>
